--- a/FunWithJson.pptx
+++ b/FunWithJson.pptx
@@ -27,8 +27,8 @@
     <p:sldId id="366" r:id="rId18"/>
     <p:sldId id="367" r:id="rId19"/>
     <p:sldId id="368" r:id="rId20"/>
-    <p:sldId id="370" r:id="rId21"/>
-    <p:sldId id="375" r:id="rId22"/>
+    <p:sldId id="375" r:id="rId21"/>
+    <p:sldId id="370" r:id="rId22"/>
     <p:sldId id="371" r:id="rId23"/>
     <p:sldId id="369" r:id="rId24"/>
     <p:sldId id="372" r:id="rId25"/>
@@ -233,7 +233,7 @@
           <a:p>
             <a:fld id="{6EBE45C2-1147-4836-8E0B-E6D95AAC8987}" type="datetimeFigureOut">
               <a:rPr lang="en-US" smtClean="0"/>
-              <a:t>2/26/2013</a:t>
+              <a:t>3/1/2013</a:t>
             </a:fld>
             <a:endParaRPr lang="en-US"/>
           </a:p>
@@ -1018,7 +1018,7 @@
             <a:fld id="{125EDE23-284B-4032-BB13-15D18E5884FA}" type="datetimeFigureOut">
               <a:rPr lang="en-US" smtClean="0"/>
               <a:pPr/>
-              <a:t>2/26/2013</a:t>
+              <a:t>3/1/2013</a:t>
             </a:fld>
             <a:endParaRPr lang="en-US"/>
           </a:p>
@@ -1120,7 +1120,7 @@
           </a:ln>
           <a:extLst>
             <a:ext uri="{91240B29-F687-4f45-9708-019B960494DF}">
-              <a14:hiddenLine xmlns:a14="http://schemas.microsoft.com/office/drawing/2010/main" xmlns="" w="9525">
+              <a14:hiddenLine xmlns="" xmlns:a14="http://schemas.microsoft.com/office/drawing/2010/main" w="9525">
                 <a:solidFill>
                   <a:srgbClr val="000000"/>
                 </a:solidFill>
@@ -1175,7 +1175,7 @@
           </a:ln>
           <a:extLst>
             <a:ext uri="{91240B29-F687-4f45-9708-019B960494DF}">
-              <a14:hiddenLine xmlns:a14="http://schemas.microsoft.com/office/drawing/2010/main" xmlns="" w="9525">
+              <a14:hiddenLine xmlns="" xmlns:a14="http://schemas.microsoft.com/office/drawing/2010/main" w="9525">
                 <a:solidFill>
                   <a:srgbClr val="000000"/>
                 </a:solidFill>
@@ -1431,7 +1431,7 @@
             <a:fld id="{125EDE23-284B-4032-BB13-15D18E5884FA}" type="datetimeFigureOut">
               <a:rPr lang="en-US" smtClean="0"/>
               <a:pPr/>
-              <a:t>2/26/2013</a:t>
+              <a:t>3/1/2013</a:t>
             </a:fld>
             <a:endParaRPr lang="en-US"/>
           </a:p>
@@ -1681,7 +1681,7 @@
             <a:fld id="{125EDE23-284B-4032-BB13-15D18E5884FA}" type="datetimeFigureOut">
               <a:rPr lang="en-US" smtClean="0"/>
               <a:pPr/>
-              <a:t>2/26/2013</a:t>
+              <a:t>3/1/2013</a:t>
             </a:fld>
             <a:endParaRPr lang="en-US"/>
           </a:p>
@@ -2223,7 +2223,7 @@
             <a:fld id="{125EDE23-284B-4032-BB13-15D18E5884FA}" type="datetimeFigureOut">
               <a:rPr lang="en-US" smtClean="0"/>
               <a:pPr/>
-              <a:t>2/26/2013</a:t>
+              <a:t>3/1/2013</a:t>
             </a:fld>
             <a:endParaRPr lang="en-US"/>
           </a:p>
@@ -2473,7 +2473,7 @@
             <a:fld id="{125EDE23-284B-4032-BB13-15D18E5884FA}" type="datetimeFigureOut">
               <a:rPr lang="en-US" smtClean="0"/>
               <a:pPr/>
-              <a:t>2/26/2013</a:t>
+              <a:t>3/1/2013</a:t>
             </a:fld>
             <a:endParaRPr lang="en-US"/>
           </a:p>
@@ -3007,7 +3007,7 @@
             <a:fld id="{125EDE23-284B-4032-BB13-15D18E5884FA}" type="datetimeFigureOut">
               <a:rPr lang="en-US" smtClean="0"/>
               <a:pPr/>
-              <a:t>2/26/2013</a:t>
+              <a:t>3/1/2013</a:t>
             </a:fld>
             <a:endParaRPr lang="en-US"/>
           </a:p>
@@ -3306,7 +3306,7 @@
             <a:fld id="{125EDE23-284B-4032-BB13-15D18E5884FA}" type="datetimeFigureOut">
               <a:rPr lang="en-US" smtClean="0"/>
               <a:pPr/>
-              <a:t>2/26/2013</a:t>
+              <a:t>3/1/2013</a:t>
             </a:fld>
             <a:endParaRPr lang="en-US"/>
           </a:p>
@@ -3482,7 +3482,7 @@
             <a:fld id="{125EDE23-284B-4032-BB13-15D18E5884FA}" type="datetimeFigureOut">
               <a:rPr lang="en-US" smtClean="0"/>
               <a:pPr/>
-              <a:t>2/26/2013</a:t>
+              <a:t>3/1/2013</a:t>
             </a:fld>
             <a:endParaRPr lang="en-US"/>
           </a:p>
@@ -3664,7 +3664,7 @@
             <a:fld id="{125EDE23-284B-4032-BB13-15D18E5884FA}" type="datetimeFigureOut">
               <a:rPr lang="en-US" smtClean="0"/>
               <a:pPr/>
-              <a:t>2/26/2013</a:t>
+              <a:t>3/1/2013</a:t>
             </a:fld>
             <a:endParaRPr lang="en-US"/>
           </a:p>
@@ -4247,7 +4247,7 @@
                 </a:solidFill>
               </a:rPr>
               <a:pPr/>
-              <a:t>2/26/2013</a:t>
+              <a:t>3/1/2013</a:t>
             </a:fld>
             <a:endParaRPr lang="en-US">
               <a:solidFill>
@@ -4365,7 +4365,7 @@
           </a:ln>
           <a:extLst>
             <a:ext uri="{91240B29-F687-4f45-9708-019B960494DF}">
-              <a14:hiddenLine xmlns="" xmlns:a14="http://schemas.microsoft.com/office/drawing/2010/main" w="9525">
+              <a14:hiddenLine xmlns:a14="http://schemas.microsoft.com/office/drawing/2010/main" xmlns="" w="9525">
                 <a:solidFill>
                   <a:srgbClr val="000000"/>
                 </a:solidFill>
@@ -4420,7 +4420,7 @@
           </a:ln>
           <a:extLst>
             <a:ext uri="{91240B29-F687-4f45-9708-019B960494DF}">
-              <a14:hiddenLine xmlns="" xmlns:a14="http://schemas.microsoft.com/office/drawing/2010/main" w="9525">
+              <a14:hiddenLine xmlns:a14="http://schemas.microsoft.com/office/drawing/2010/main" xmlns="" w="9525">
                 <a:solidFill>
                   <a:srgbClr val="000000"/>
                 </a:solidFill>
@@ -4574,7 +4574,7 @@
                 </a:solidFill>
               </a:rPr>
               <a:pPr/>
-              <a:t>2/26/2013</a:t>
+              <a:t>3/1/2013</a:t>
             </a:fld>
             <a:endParaRPr lang="en-US">
               <a:solidFill>
@@ -4787,7 +4787,7 @@
             <a:fld id="{125EDE23-284B-4032-BB13-15D18E5884FA}" type="datetimeFigureOut">
               <a:rPr lang="en-US" smtClean="0"/>
               <a:pPr/>
-              <a:t>2/26/2013</a:t>
+              <a:t>3/1/2013</a:t>
             </a:fld>
             <a:endParaRPr lang="en-US"/>
           </a:p>
@@ -5049,7 +5049,7 @@
                 </a:solidFill>
               </a:rPr>
               <a:pPr/>
-              <a:t>2/26/2013</a:t>
+              <a:t>3/1/2013</a:t>
             </a:fld>
             <a:endParaRPr lang="en-US">
               <a:solidFill>
@@ -5373,7 +5373,7 @@
                 </a:solidFill>
               </a:rPr>
               <a:pPr/>
-              <a:t>2/26/2013</a:t>
+              <a:t>3/1/2013</a:t>
             </a:fld>
             <a:endParaRPr lang="en-US">
               <a:solidFill>
@@ -5837,7 +5837,7 @@
                 </a:solidFill>
               </a:rPr>
               <a:pPr/>
-              <a:t>2/26/2013</a:t>
+              <a:t>3/1/2013</a:t>
             </a:fld>
             <a:endParaRPr lang="en-US">
               <a:solidFill>
@@ -5977,7 +5977,7 @@
                 </a:solidFill>
               </a:rPr>
               <a:pPr/>
-              <a:t>2/26/2013</a:t>
+              <a:t>3/1/2013</a:t>
             </a:fld>
             <a:endParaRPr lang="en-US">
               <a:solidFill>
@@ -6094,7 +6094,7 @@
                 </a:solidFill>
               </a:rPr>
               <a:pPr/>
-              <a:t>2/26/2013</a:t>
+              <a:t>3/1/2013</a:t>
             </a:fld>
             <a:endParaRPr lang="en-US">
               <a:solidFill>
@@ -6399,7 +6399,7 @@
                 </a:solidFill>
               </a:rPr>
               <a:pPr/>
-              <a:t>2/26/2013</a:t>
+              <a:t>3/1/2013</a:t>
             </a:fld>
             <a:endParaRPr lang="en-US">
               <a:solidFill>
@@ -6712,7 +6712,7 @@
                 </a:solidFill>
               </a:rPr>
               <a:pPr/>
-              <a:t>2/26/2013</a:t>
+              <a:t>3/1/2013</a:t>
             </a:fld>
             <a:endParaRPr lang="en-US">
               <a:solidFill>
@@ -7025,7 +7025,7 @@
                 </a:solidFill>
               </a:rPr>
               <a:pPr/>
-              <a:t>2/26/2013</a:t>
+              <a:t>3/1/2013</a:t>
             </a:fld>
             <a:endParaRPr lang="en-US">
               <a:solidFill>
@@ -7295,7 +7295,7 @@
                 </a:solidFill>
               </a:rPr>
               <a:pPr/>
-              <a:t>2/26/2013</a:t>
+              <a:t>3/1/2013</a:t>
             </a:fld>
             <a:endParaRPr lang="en-US">
               <a:solidFill>
@@ -7856,7 +7856,7 @@
                 </a:solidFill>
               </a:rPr>
               <a:pPr/>
-              <a:t>2/26/2013</a:t>
+              <a:t>3/1/2013</a:t>
             </a:fld>
             <a:endParaRPr lang="en-US">
               <a:solidFill>
@@ -8120,7 +8120,7 @@
             <a:fld id="{125EDE23-284B-4032-BB13-15D18E5884FA}" type="datetimeFigureOut">
               <a:rPr lang="en-US" smtClean="0"/>
               <a:pPr/>
-              <a:t>2/26/2013</a:t>
+              <a:t>3/1/2013</a:t>
             </a:fld>
             <a:endParaRPr lang="en-US"/>
           </a:p>
@@ -8379,7 +8379,7 @@
                 </a:solidFill>
               </a:rPr>
               <a:pPr/>
-              <a:t>2/26/2013</a:t>
+              <a:t>3/1/2013</a:t>
             </a:fld>
             <a:endParaRPr lang="en-US">
               <a:solidFill>
@@ -8932,7 +8932,7 @@
                 </a:solidFill>
               </a:rPr>
               <a:pPr/>
-              <a:t>2/26/2013</a:t>
+              <a:t>3/1/2013</a:t>
             </a:fld>
             <a:endParaRPr lang="en-US">
               <a:solidFill>
@@ -9251,7 +9251,7 @@
                 </a:solidFill>
               </a:rPr>
               <a:pPr/>
-              <a:t>2/26/2013</a:t>
+              <a:t>3/1/2013</a:t>
             </a:fld>
             <a:endParaRPr lang="en-US">
               <a:solidFill>
@@ -9447,7 +9447,7 @@
                 </a:solidFill>
               </a:rPr>
               <a:pPr/>
-              <a:t>2/26/2013</a:t>
+              <a:t>3/1/2013</a:t>
             </a:fld>
             <a:endParaRPr lang="en-US">
               <a:solidFill>
@@ -9649,7 +9649,7 @@
                 </a:solidFill>
               </a:rPr>
               <a:pPr/>
-              <a:t>2/26/2013</a:t>
+              <a:t>3/1/2013</a:t>
             </a:fld>
             <a:endParaRPr lang="en-US">
               <a:solidFill>
@@ -9964,7 +9964,7 @@
             <a:fld id="{125EDE23-284B-4032-BB13-15D18E5884FA}" type="datetimeFigureOut">
               <a:rPr lang="en-US" smtClean="0"/>
               <a:pPr/>
-              <a:t>2/26/2013</a:t>
+              <a:t>3/1/2013</a:t>
             </a:fld>
             <a:endParaRPr lang="en-US"/>
           </a:p>
@@ -10408,7 +10408,7 @@
             <a:fld id="{125EDE23-284B-4032-BB13-15D18E5884FA}" type="datetimeFigureOut">
               <a:rPr lang="en-US" smtClean="0"/>
               <a:pPr/>
-              <a:t>2/26/2013</a:t>
+              <a:t>3/1/2013</a:t>
             </a:fld>
             <a:endParaRPr lang="en-US"/>
           </a:p>
@@ -10528,7 +10528,7 @@
             <a:fld id="{125EDE23-284B-4032-BB13-15D18E5884FA}" type="datetimeFigureOut">
               <a:rPr lang="en-US" smtClean="0"/>
               <a:pPr/>
-              <a:t>2/26/2013</a:t>
+              <a:t>3/1/2013</a:t>
             </a:fld>
             <a:endParaRPr lang="en-US"/>
           </a:p>
@@ -10625,7 +10625,7 @@
             <a:fld id="{125EDE23-284B-4032-BB13-15D18E5884FA}" type="datetimeFigureOut">
               <a:rPr lang="en-US" smtClean="0"/>
               <a:pPr/>
-              <a:t>2/26/2013</a:t>
+              <a:t>3/1/2013</a:t>
             </a:fld>
             <a:endParaRPr lang="en-US"/>
           </a:p>
@@ -10910,7 +10910,7 @@
             <a:fld id="{125EDE23-284B-4032-BB13-15D18E5884FA}" type="datetimeFigureOut">
               <a:rPr lang="en-US" smtClean="0"/>
               <a:pPr/>
-              <a:t>2/26/2013</a:t>
+              <a:t>3/1/2013</a:t>
             </a:fld>
             <a:endParaRPr lang="en-US"/>
           </a:p>
@@ -11203,7 +11203,7 @@
             <a:fld id="{125EDE23-284B-4032-BB13-15D18E5884FA}" type="datetimeFigureOut">
               <a:rPr lang="en-US" smtClean="0"/>
               <a:pPr/>
-              <a:t>2/26/2013</a:t>
+              <a:t>3/1/2013</a:t>
             </a:fld>
             <a:endParaRPr lang="en-US"/>
           </a:p>
@@ -11729,7 +11729,7 @@
             <a:fld id="{125EDE23-284B-4032-BB13-15D18E5884FA}" type="datetimeFigureOut">
               <a:rPr lang="en-US" smtClean="0"/>
               <a:pPr/>
-              <a:t>2/26/2013</a:t>
+              <a:t>3/1/2013</a:t>
             </a:fld>
             <a:endParaRPr lang="en-US"/>
           </a:p>
@@ -12712,7 +12712,7 @@
                 </a:solidFill>
               </a:rPr>
               <a:pPr/>
-              <a:t>2/26/2013</a:t>
+              <a:t>3/1/2013</a:t>
             </a:fld>
             <a:endParaRPr lang="en-US">
               <a:solidFill>
@@ -14641,12 +14641,12 @@
       </p:grpSpPr>
       <p:sp>
         <p:nvSpPr>
-          <p:cNvPr id="4" name="Title 3"/>
-          <p:cNvSpPr>
-            <a:spLocks noGrp="1"/>
-          </p:cNvSpPr>
-          <p:nvPr>
-            <p:ph type="ctrTitle"/>
+          <p:cNvPr id="2" name="Title 1"/>
+          <p:cNvSpPr>
+            <a:spLocks noGrp="1"/>
+          </p:cNvSpPr>
+          <p:nvPr>
+            <p:ph type="title"/>
           </p:nvPr>
         </p:nvSpPr>
         <p:spPr/>
@@ -14656,11 +14656,11 @@
           <a:p>
             <a:r>
               <a:rPr lang="en-US" dirty="0" smtClean="0"/>
-              <a:t>Demo: Consume with </a:t>
+              <a:t>Create POCO Classes From </a:t>
             </a:r>
             <a:r>
               <a:rPr lang="en-US" dirty="0" err="1" smtClean="0"/>
-              <a:t>RestSharp</a:t>
+              <a:t>Json</a:t>
             </a:r>
             <a:endParaRPr lang="en-US" dirty="0"/>
           </a:p>
@@ -14668,12 +14668,12 @@
       </p:sp>
       <p:sp>
         <p:nvSpPr>
-          <p:cNvPr id="5" name="Subtitle 4"/>
-          <p:cNvSpPr>
-            <a:spLocks noGrp="1"/>
-          </p:cNvSpPr>
-          <p:nvPr>
-            <p:ph type="subTitle" idx="1"/>
+          <p:cNvPr id="3" name="Content Placeholder 2"/>
+          <p:cNvSpPr>
+            <a:spLocks noGrp="1"/>
+          </p:cNvSpPr>
+          <p:nvPr>
+            <p:ph idx="1"/>
           </p:nvPr>
         </p:nvSpPr>
         <p:spPr/>
@@ -14681,27 +14681,38 @@
           <a:bodyPr/>
           <a:lstStyle/>
           <a:p>
-            <a:endParaRPr lang="en-US"/>
+            <a:r>
+              <a:rPr lang="en-US" dirty="0"/>
+              <a:t>http://json2csharp.com/</a:t>
+            </a:r>
+            <a:endParaRPr lang="en-US" dirty="0" smtClean="0"/>
+          </a:p>
+          <a:p>
+            <a:r>
+              <a:rPr lang="en-US" dirty="0" smtClean="0"/>
+              <a:t>http</a:t>
+            </a:r>
+            <a:r>
+              <a:rPr lang="en-US" dirty="0"/>
+              <a:t>://</a:t>
+            </a:r>
+            <a:r>
+              <a:rPr lang="en-US" dirty="0" smtClean="0"/>
+              <a:t>www.asp.net/vnext/overview/fall-2012-update</a:t>
+            </a:r>
           </a:p>
         </p:txBody>
       </p:sp>
     </p:spTree>
     <p:extLst>
       <p:ext uri="{BB962C8B-B14F-4D97-AF65-F5344CB8AC3E}">
-        <p14:creationId xmlns:p14="http://schemas.microsoft.com/office/powerpoint/2010/main" val="3860993460"/>
+        <p14:creationId xmlns:p14="http://schemas.microsoft.com/office/powerpoint/2010/main" val="101392632"/>
       </p:ext>
     </p:extLst>
   </p:cSld>
   <p:clrMapOvr>
     <a:masterClrMapping/>
   </p:clrMapOvr>
-  <p:timing>
-    <p:tnLst>
-      <p:par>
-        <p:cTn id="1" dur="indefinite" restart="never" nodeType="tmRoot"/>
-      </p:par>
-    </p:tnLst>
-  </p:timing>
 </p:sld>
 </file>
 
@@ -15136,12 +15147,12 @@
       </p:grpSpPr>
       <p:sp>
         <p:nvSpPr>
-          <p:cNvPr id="2" name="Title 1"/>
-          <p:cNvSpPr>
-            <a:spLocks noGrp="1"/>
-          </p:cNvSpPr>
-          <p:nvPr>
-            <p:ph type="title"/>
+          <p:cNvPr id="4" name="Title 3"/>
+          <p:cNvSpPr>
+            <a:spLocks noGrp="1"/>
+          </p:cNvSpPr>
+          <p:nvPr>
+            <p:ph type="ctrTitle"/>
           </p:nvPr>
         </p:nvSpPr>
         <p:spPr/>
@@ -15149,18 +15160,26 @@
           <a:bodyPr/>
           <a:lstStyle/>
           <a:p>
+            <a:r>
+              <a:rPr lang="en-US" dirty="0" smtClean="0"/>
+              <a:t>Demo: Consume with </a:t>
+            </a:r>
+            <a:r>
+              <a:rPr lang="en-US" dirty="0" err="1" smtClean="0"/>
+              <a:t>RestSharp</a:t>
+            </a:r>
             <a:endParaRPr lang="en-US" dirty="0"/>
           </a:p>
         </p:txBody>
       </p:sp>
       <p:sp>
         <p:nvSpPr>
-          <p:cNvPr id="3" name="Content Placeholder 2"/>
-          <p:cNvSpPr>
-            <a:spLocks noGrp="1"/>
-          </p:cNvSpPr>
-          <p:nvPr>
-            <p:ph idx="1"/>
+          <p:cNvPr id="5" name="Subtitle 4"/>
+          <p:cNvSpPr>
+            <a:spLocks noGrp="1"/>
+          </p:cNvSpPr>
+          <p:nvPr>
+            <p:ph type="subTitle" idx="1"/>
           </p:nvPr>
         </p:nvSpPr>
         <p:spPr/>
@@ -15168,34 +15187,27 @@
           <a:bodyPr/>
           <a:lstStyle/>
           <a:p>
-            <a:r>
-              <a:rPr lang="en-US" dirty="0"/>
-              <a:t>http://json2csharp.com/</a:t>
-            </a:r>
-            <a:endParaRPr lang="en-US" dirty="0" smtClean="0"/>
-          </a:p>
-          <a:p>
-            <a:r>
-              <a:rPr lang="en-US" dirty="0" smtClean="0"/>
-              <a:t>http</a:t>
-            </a:r>
-            <a:r>
-              <a:rPr lang="en-US" dirty="0"/>
-              <a:t>://www.asp.net/vnext/overview/fall-2012-update</a:t>
-            </a:r>
+            <a:endParaRPr lang="en-US"/>
           </a:p>
         </p:txBody>
       </p:sp>
     </p:spTree>
     <p:extLst>
       <p:ext uri="{BB962C8B-B14F-4D97-AF65-F5344CB8AC3E}">
-        <p14:creationId xmlns:p14="http://schemas.microsoft.com/office/powerpoint/2010/main" val="101392632"/>
+        <p14:creationId xmlns:p14="http://schemas.microsoft.com/office/powerpoint/2010/main" val="3860993460"/>
       </p:ext>
     </p:extLst>
   </p:cSld>
   <p:clrMapOvr>
     <a:masterClrMapping/>
   </p:clrMapOvr>
+  <p:timing>
+    <p:tnLst>
+      <p:par>
+        <p:cTn id="1" dur="indefinite" restart="never" nodeType="tmRoot"/>
+      </p:par>
+    </p:tnLst>
+  </p:timing>
 </p:sld>
 </file>
 
@@ -15668,7 +15680,7 @@
             </a:r>
             <a:r>
               <a:rPr lang="en-US" dirty="0" smtClean="0"/>
-              <a:t>POCO with json2csharp.com</a:t>
+              <a:t>POCO</a:t>
             </a:r>
             <a:endParaRPr lang="en-US" dirty="0"/>
           </a:p>
@@ -16320,7 +16332,7 @@
         </p:nvSpPr>
         <p:spPr>
           <a:xfrm>
-            <a:off x="152400" y="1345890"/>
+            <a:off x="609600" y="1363167"/>
             <a:ext cx="4572000" cy="523220"/>
           </a:xfrm>
           <a:prstGeom prst="rect">
@@ -16422,14 +16434,14 @@
       </p:sp>
       <p:pic>
         <p:nvPicPr>
-          <p:cNvPr id="13" name="Picture 2"/>
+          <p:cNvPr id="14" name="Picture 13" descr="http://www.usergroup.tv/wp-content/uploads/2012/05/Ugtv.png"/>
           <p:cNvPicPr>
             <a:picLocks noChangeAspect="1" noChangeArrowheads="1"/>
           </p:cNvPicPr>
           <p:nvPr/>
         </p:nvPicPr>
         <p:blipFill>
-          <a:blip r:embed="rId3" cstate="print">
+          <a:blip r:embed="rId3">
             <a:extLst>
               <a:ext uri="{28A0092B-C50C-407E-A947-70E740481C1C}">
                 <a14:useLocalDpi xmlns:a14="http://schemas.microsoft.com/office/drawing/2010/main" val="0"/>
@@ -16443,43 +16455,20 @@
         </p:blipFill>
         <p:spPr bwMode="auto">
           <a:xfrm>
-            <a:off x="596294" y="152400"/>
-            <a:ext cx="4222287" cy="1291913"/>
+            <a:off x="1140225" y="251055"/>
+            <a:ext cx="3431776" cy="1070715"/>
           </a:xfrm>
           <a:prstGeom prst="rect">
             <a:avLst/>
           </a:prstGeom>
           <a:noFill/>
-          <a:ln>
-            <a:noFill/>
-          </a:ln>
-          <a:effectLst/>
           <a:extLst>
             <a:ext uri="{909E8E84-426E-40DD-AFC4-6F175D3DCCD1}">
               <a14:hiddenFill xmlns:a14="http://schemas.microsoft.com/office/drawing/2010/main">
                 <a:solidFill>
-                  <a:schemeClr val="accent1"/>
+                  <a:srgbClr val="FFFFFF"/>
                 </a:solidFill>
               </a14:hiddenFill>
-            </a:ext>
-            <a:ext uri="{91240B29-F687-4F45-9708-019B960494DF}">
-              <a14:hiddenLine xmlns:a14="http://schemas.microsoft.com/office/drawing/2010/main" w="9525">
-                <a:solidFill>
-                  <a:schemeClr val="tx1"/>
-                </a:solidFill>
-                <a:miter lim="800000"/>
-                <a:headEnd/>
-                <a:tailEnd/>
-              </a14:hiddenLine>
-            </a:ext>
-            <a:ext uri="{AF507438-7753-43E0-B8FC-AC1667EBCBE1}">
-              <a14:hiddenEffects xmlns:a14="http://schemas.microsoft.com/office/drawing/2010/main">
-                <a:effectLst>
-                  <a:outerShdw dist="35921" dir="2700000" algn="ctr" rotWithShape="0">
-                    <a:schemeClr val="bg2"/>
-                  </a:outerShdw>
-                </a:effectLst>
-              </a14:hiddenEffects>
             </a:ext>
           </a:extLst>
         </p:spPr>
@@ -16608,7 +16597,7 @@
             </a:r>
             <a:r>
               <a:rPr lang="en-US" dirty="0" smtClean="0"/>
-              <a:t>POCO with json2csharp.com</a:t>
+              <a:t>POCO</a:t>
             </a:r>
             <a:endParaRPr lang="en-US" dirty="0"/>
           </a:p>
